--- a/Documents/PresentationGameDHBC.pptx
+++ b/Documents/PresentationGameDHBC.pptx
@@ -257,7 +257,7 @@
           <a:p>
             <a:fld id="{F88941F9-3141-4687-A855-98BFDCEBB43C}" type="datetimeFigureOut">
               <a:rPr lang="en-US" smtClean="0"/>
-              <a:t>7/6/2020</a:t>
+              <a:t>7/7/2020</a:t>
             </a:fld>
             <a:endParaRPr lang="en-US" dirty="0"/>
           </a:p>
@@ -504,11 +504,11 @@
   <p:clrMapOvr>
     <a:masterClrMapping/>
   </p:clrMapOvr>
-  <mc:AlternateContent xmlns:mc="http://schemas.openxmlformats.org/markup-compatibility/2006">
-    <mc:Choice xmlns:p14="http://schemas.microsoft.com/office/powerpoint/2010/main" Requires="p14">
+  <mc:AlternateContent xmlns:mc="http://schemas.openxmlformats.org/markup-compatibility/2006" xmlns:p14="http://schemas.microsoft.com/office/powerpoint/2010/main">
+    <mc:Choice Requires="p14">
       <p:transition spd="slow" p14:dur="2000"/>
     </mc:Choice>
-    <mc:Fallback>
+    <mc:Fallback xmlns="">
       <p:transition spd="slow"/>
     </mc:Fallback>
   </mc:AlternateContent>
@@ -624,7 +624,7 @@
           <a:p>
             <a:fld id="{F88941F9-3141-4687-A855-98BFDCEBB43C}" type="datetimeFigureOut">
               <a:rPr lang="en-US" smtClean="0"/>
-              <a:t>7/6/2020</a:t>
+              <a:t>7/7/2020</a:t>
             </a:fld>
             <a:endParaRPr lang="en-US" dirty="0"/>
           </a:p>
@@ -677,11 +677,11 @@
   <p:clrMapOvr>
     <a:masterClrMapping/>
   </p:clrMapOvr>
-  <mc:AlternateContent xmlns:mc="http://schemas.openxmlformats.org/markup-compatibility/2006">
-    <mc:Choice xmlns:p14="http://schemas.microsoft.com/office/powerpoint/2010/main" Requires="p14">
+  <mc:AlternateContent xmlns:mc="http://schemas.openxmlformats.org/markup-compatibility/2006" xmlns:p14="http://schemas.microsoft.com/office/powerpoint/2010/main">
+    <mc:Choice Requires="p14">
       <p:transition spd="slow" p14:dur="2000"/>
     </mc:Choice>
-    <mc:Fallback>
+    <mc:Fallback xmlns="">
       <p:transition spd="slow"/>
     </mc:Fallback>
   </mc:AlternateContent>
@@ -807,7 +807,7 @@
           <a:p>
             <a:fld id="{F88941F9-3141-4687-A855-98BFDCEBB43C}" type="datetimeFigureOut">
               <a:rPr lang="en-US" smtClean="0"/>
-              <a:t>7/6/2020</a:t>
+              <a:t>7/7/2020</a:t>
             </a:fld>
             <a:endParaRPr lang="en-US" dirty="0"/>
           </a:p>
@@ -982,11 +982,11 @@
   <p:clrMapOvr>
     <a:masterClrMapping/>
   </p:clrMapOvr>
-  <mc:AlternateContent xmlns:mc="http://schemas.openxmlformats.org/markup-compatibility/2006">
-    <mc:Choice xmlns:p14="http://schemas.microsoft.com/office/powerpoint/2010/main" Requires="p14">
+  <mc:AlternateContent xmlns:mc="http://schemas.openxmlformats.org/markup-compatibility/2006" xmlns:p14="http://schemas.microsoft.com/office/powerpoint/2010/main">
+    <mc:Choice Requires="p14">
       <p:transition spd="slow" p14:dur="2000"/>
     </mc:Choice>
-    <mc:Fallback>
+    <mc:Fallback xmlns="">
       <p:transition spd="slow"/>
     </mc:Fallback>
   </mc:AlternateContent>
@@ -1050,7 +1050,7 @@
           <a:p>
             <a:fld id="{F88941F9-3141-4687-A855-98BFDCEBB43C}" type="datetimeFigureOut">
               <a:rPr lang="en-US" smtClean="0"/>
-              <a:t>7/6/2020</a:t>
+              <a:t>7/7/2020</a:t>
             </a:fld>
             <a:endParaRPr lang="en-US" dirty="0"/>
           </a:p>
@@ -1160,11 +1160,11 @@
   <p:clrMapOvr>
     <a:masterClrMapping/>
   </p:clrMapOvr>
-  <mc:AlternateContent xmlns:mc="http://schemas.openxmlformats.org/markup-compatibility/2006">
-    <mc:Choice xmlns:p14="http://schemas.microsoft.com/office/powerpoint/2010/main" Requires="p14">
+  <mc:AlternateContent xmlns:mc="http://schemas.openxmlformats.org/markup-compatibility/2006" xmlns:p14="http://schemas.microsoft.com/office/powerpoint/2010/main">
+    <mc:Choice Requires="p14">
       <p:transition spd="slow" p14:dur="2000"/>
     </mc:Choice>
-    <mc:Fallback>
+    <mc:Fallback xmlns="">
       <p:transition spd="slow"/>
     </mc:Fallback>
   </mc:AlternateContent>
@@ -1327,7 +1327,7 @@
           <a:p>
             <a:fld id="{F88941F9-3141-4687-A855-98BFDCEBB43C}" type="datetimeFigureOut">
               <a:rPr lang="en-US" smtClean="0"/>
-              <a:t>7/6/2020</a:t>
+              <a:t>7/7/2020</a:t>
             </a:fld>
             <a:endParaRPr lang="en-US" dirty="0"/>
           </a:p>
@@ -1482,11 +1482,11 @@
   <p:clrMapOvr>
     <a:overrideClrMapping bg1="dk1" tx1="lt1" bg2="dk2" tx2="lt2" accent1="accent1" accent2="accent2" accent3="accent3" accent4="accent4" accent5="accent5" accent6="accent6" hlink="hlink" folHlink="folHlink"/>
   </p:clrMapOvr>
-  <mc:AlternateContent xmlns:mc="http://schemas.openxmlformats.org/markup-compatibility/2006">
-    <mc:Choice xmlns:p14="http://schemas.microsoft.com/office/powerpoint/2010/main" Requires="p14">
+  <mc:AlternateContent xmlns:mc="http://schemas.openxmlformats.org/markup-compatibility/2006" xmlns:p14="http://schemas.microsoft.com/office/powerpoint/2010/main">
+    <mc:Choice Requires="p14">
       <p:transition spd="slow" p14:dur="2000"/>
     </mc:Choice>
-    <mc:Fallback>
+    <mc:Fallback xmlns="">
       <p:transition spd="slow"/>
     </mc:Fallback>
   </mc:AlternateContent>
@@ -1555,7 +1555,7 @@
           <a:p>
             <a:fld id="{F88941F9-3141-4687-A855-98BFDCEBB43C}" type="datetimeFigureOut">
               <a:rPr lang="en-US" smtClean="0"/>
-              <a:t>7/6/2020</a:t>
+              <a:t>7/7/2020</a:t>
             </a:fld>
             <a:endParaRPr lang="en-US" dirty="0"/>
           </a:p>
@@ -1722,11 +1722,11 @@
   <p:clrMapOvr>
     <a:masterClrMapping/>
   </p:clrMapOvr>
-  <mc:AlternateContent xmlns:mc="http://schemas.openxmlformats.org/markup-compatibility/2006">
-    <mc:Choice xmlns:p14="http://schemas.microsoft.com/office/powerpoint/2010/main" Requires="p14">
+  <mc:AlternateContent xmlns:mc="http://schemas.openxmlformats.org/markup-compatibility/2006" xmlns:p14="http://schemas.microsoft.com/office/powerpoint/2010/main">
+    <mc:Choice Requires="p14">
       <p:transition spd="slow" p14:dur="2000"/>
     </mc:Choice>
-    <mc:Fallback>
+    <mc:Fallback xmlns="">
       <p:transition spd="slow"/>
     </mc:Fallback>
   </mc:AlternateContent>
@@ -1915,7 +1915,7 @@
           <a:p>
             <a:fld id="{F88941F9-3141-4687-A855-98BFDCEBB43C}" type="datetimeFigureOut">
               <a:rPr lang="en-US" smtClean="0"/>
-              <a:t>7/6/2020</a:t>
+              <a:t>7/7/2020</a:t>
             </a:fld>
             <a:endParaRPr lang="en-US" dirty="0"/>
           </a:p>
@@ -2082,11 +2082,11 @@
   <p:clrMapOvr>
     <a:masterClrMapping/>
   </p:clrMapOvr>
-  <mc:AlternateContent xmlns:mc="http://schemas.openxmlformats.org/markup-compatibility/2006">
-    <mc:Choice xmlns:p14="http://schemas.microsoft.com/office/powerpoint/2010/main" Requires="p14">
+  <mc:AlternateContent xmlns:mc="http://schemas.openxmlformats.org/markup-compatibility/2006" xmlns:p14="http://schemas.microsoft.com/office/powerpoint/2010/main">
+    <mc:Choice Requires="p14">
       <p:transition spd="slow" p14:dur="2000"/>
     </mc:Choice>
-    <mc:Fallback>
+    <mc:Fallback xmlns="">
       <p:transition spd="slow"/>
     </mc:Fallback>
   </mc:AlternateContent>
@@ -2155,7 +2155,7 @@
           <a:p>
             <a:fld id="{F88941F9-3141-4687-A855-98BFDCEBB43C}" type="datetimeFigureOut">
               <a:rPr lang="en-US" smtClean="0"/>
-              <a:t>7/6/2020</a:t>
+              <a:t>7/7/2020</a:t>
             </a:fld>
             <a:endParaRPr lang="en-US" dirty="0"/>
           </a:p>
@@ -2258,11 +2258,11 @@
   <p:clrMapOvr>
     <a:masterClrMapping/>
   </p:clrMapOvr>
-  <mc:AlternateContent xmlns:mc="http://schemas.openxmlformats.org/markup-compatibility/2006">
-    <mc:Choice xmlns:p14="http://schemas.microsoft.com/office/powerpoint/2010/main" Requires="p14">
+  <mc:AlternateContent xmlns:mc="http://schemas.openxmlformats.org/markup-compatibility/2006" xmlns:p14="http://schemas.microsoft.com/office/powerpoint/2010/main">
+    <mc:Choice Requires="p14">
       <p:transition spd="slow" p14:dur="2000"/>
     </mc:Choice>
-    <mc:Fallback>
+    <mc:Fallback xmlns="">
       <p:transition spd="slow"/>
     </mc:Fallback>
   </mc:AlternateContent>
@@ -2303,7 +2303,7 @@
           <a:p>
             <a:fld id="{F88941F9-3141-4687-A855-98BFDCEBB43C}" type="datetimeFigureOut">
               <a:rPr lang="en-US" smtClean="0"/>
-              <a:t>7/6/2020</a:t>
+              <a:t>7/7/2020</a:t>
             </a:fld>
             <a:endParaRPr lang="en-US" dirty="0"/>
           </a:p>
@@ -2442,11 +2442,11 @@
   <p:clrMapOvr>
     <a:masterClrMapping/>
   </p:clrMapOvr>
-  <mc:AlternateContent xmlns:mc="http://schemas.openxmlformats.org/markup-compatibility/2006">
-    <mc:Choice xmlns:p14="http://schemas.microsoft.com/office/powerpoint/2010/main" Requires="p14">
+  <mc:AlternateContent xmlns:mc="http://schemas.openxmlformats.org/markup-compatibility/2006" xmlns:p14="http://schemas.microsoft.com/office/powerpoint/2010/main">
+    <mc:Choice Requires="p14">
       <p:transition spd="slow" p14:dur="2000"/>
     </mc:Choice>
-    <mc:Fallback>
+    <mc:Fallback xmlns="">
       <p:transition spd="slow"/>
     </mc:Fallback>
   </mc:AlternateContent>
@@ -2588,7 +2588,7 @@
           <a:p>
             <a:fld id="{F88941F9-3141-4687-A855-98BFDCEBB43C}" type="datetimeFigureOut">
               <a:rPr lang="en-US" smtClean="0"/>
-              <a:t>7/6/2020</a:t>
+              <a:t>7/7/2020</a:t>
             </a:fld>
             <a:endParaRPr lang="en-US" dirty="0"/>
           </a:p>
@@ -2820,11 +2820,11 @@
   <p:clrMapOvr>
     <a:masterClrMapping/>
   </p:clrMapOvr>
-  <mc:AlternateContent xmlns:mc="http://schemas.openxmlformats.org/markup-compatibility/2006">
-    <mc:Choice xmlns:p14="http://schemas.microsoft.com/office/powerpoint/2010/main" Requires="p14">
+  <mc:AlternateContent xmlns:mc="http://schemas.openxmlformats.org/markup-compatibility/2006" xmlns:p14="http://schemas.microsoft.com/office/powerpoint/2010/main">
+    <mc:Choice Requires="p14">
       <p:transition spd="slow" p14:dur="2000"/>
     </mc:Choice>
-    <mc:Fallback>
+    <mc:Fallback xmlns="">
       <p:transition spd="slow"/>
     </mc:Fallback>
   </mc:AlternateContent>
@@ -3003,7 +3003,7 @@
           <a:p>
             <a:fld id="{F88941F9-3141-4687-A855-98BFDCEBB43C}" type="datetimeFigureOut">
               <a:rPr lang="en-US" smtClean="0"/>
-              <a:t>7/6/2020</a:t>
+              <a:t>7/7/2020</a:t>
             </a:fld>
             <a:endParaRPr lang="en-US" dirty="0"/>
           </a:p>
@@ -3188,11 +3188,11 @@
   <p:clrMapOvr>
     <a:overrideClrMapping bg1="dk1" tx1="lt1" bg2="dk2" tx2="lt2" accent1="accent1" accent2="accent2" accent3="accent3" accent4="accent4" accent5="accent5" accent6="accent6" hlink="hlink" folHlink="folHlink"/>
   </p:clrMapOvr>
-  <mc:AlternateContent xmlns:mc="http://schemas.openxmlformats.org/markup-compatibility/2006">
-    <mc:Choice xmlns:p14="http://schemas.microsoft.com/office/powerpoint/2010/main" Requires="p14">
+  <mc:AlternateContent xmlns:mc="http://schemas.openxmlformats.org/markup-compatibility/2006" xmlns:p14="http://schemas.microsoft.com/office/powerpoint/2010/main">
+    <mc:Choice Requires="p14">
       <p:transition spd="slow" p14:dur="2000"/>
     </mc:Choice>
-    <mc:Fallback>
+    <mc:Fallback xmlns="">
       <p:transition spd="slow"/>
     </mc:Fallback>
   </mc:AlternateContent>
@@ -3349,7 +3349,7 @@
           <a:p>
             <a:fld id="{F88941F9-3141-4687-A855-98BFDCEBB43C}" type="datetimeFigureOut">
               <a:rPr lang="en-US" smtClean="0"/>
-              <a:t>7/6/2020</a:t>
+              <a:t>7/7/2020</a:t>
             </a:fld>
             <a:endParaRPr lang="en-US" dirty="0"/>
           </a:p>
@@ -3567,11 +3567,11 @@
     <p:sldLayoutId id="2147483790" r:id="rId10"/>
     <p:sldLayoutId id="2147483791" r:id="rId11"/>
   </p:sldLayoutIdLst>
-  <mc:AlternateContent xmlns:mc="http://schemas.openxmlformats.org/markup-compatibility/2006">
-    <mc:Choice xmlns:p14="http://schemas.microsoft.com/office/powerpoint/2010/main" Requires="p14">
+  <mc:AlternateContent xmlns:mc="http://schemas.openxmlformats.org/markup-compatibility/2006" xmlns:p14="http://schemas.microsoft.com/office/powerpoint/2010/main">
+    <mc:Choice Requires="p14">
       <p:transition spd="slow" p14:dur="2000"/>
     </mc:Choice>
-    <mc:Fallback>
+    <mc:Fallback xmlns="">
       <p:transition spd="slow"/>
     </mc:Fallback>
   </mc:AlternateContent>
@@ -5174,13 +5174,13 @@
   <p:clrMapOvr>
     <a:masterClrMapping/>
   </p:clrMapOvr>
-  <mc:AlternateContent xmlns:mc="http://schemas.openxmlformats.org/markup-compatibility/2006">
-    <mc:Choice xmlns:p14="http://schemas.microsoft.com/office/powerpoint/2010/main" Requires="p14">
+  <mc:AlternateContent xmlns:mc="http://schemas.openxmlformats.org/markup-compatibility/2006" xmlns:p14="http://schemas.microsoft.com/office/powerpoint/2010/main">
+    <mc:Choice Requires="p14">
       <p:transition spd="slow" p14:dur="4400">
         <p14:honeycomb/>
       </p:transition>
     </mc:Choice>
-    <mc:Fallback>
+    <mc:Fallback xmlns="">
       <p:transition spd="slow">
         <p:fade/>
       </p:transition>
@@ -7379,13 +7379,13 @@
   <p:clrMapOvr>
     <a:masterClrMapping/>
   </p:clrMapOvr>
-  <mc:AlternateContent xmlns:mc="http://schemas.openxmlformats.org/markup-compatibility/2006">
-    <mc:Choice xmlns:p14="http://schemas.microsoft.com/office/powerpoint/2010/main" Requires="p14">
+  <mc:AlternateContent xmlns:mc="http://schemas.openxmlformats.org/markup-compatibility/2006" xmlns:p14="http://schemas.microsoft.com/office/powerpoint/2010/main">
+    <mc:Choice Requires="p14">
       <p:transition spd="med" p14:dur="700">
         <p:fade/>
       </p:transition>
     </mc:Choice>
-    <mc:Fallback>
+    <mc:Fallback xmlns="">
       <p:transition spd="med">
         <p:fade/>
       </p:transition>
@@ -8477,8 +8477,9 @@
             </a:pPr>
             <a:r>
               <a:rPr lang="vi-VN" dirty="0" smtClean="0"/>
-              <a:t>Netbean 8.2</a:t>
-            </a:r>
+              <a:t>Java SE 8.0</a:t>
+            </a:r>
+            <a:endParaRPr lang="vi-VN" dirty="0" smtClean="0"/>
           </a:p>
           <a:p>
             <a:pPr marL="285750" indent="-285750">
@@ -8486,9 +8487,10 @@
               <a:buChar char="v"/>
             </a:pPr>
             <a:r>
-              <a:rPr lang="en-US" dirty="0"/>
-              <a:t>Microsoft SQL Server Management Studio 18</a:t>
-            </a:r>
+              <a:rPr lang="vi-VN" dirty="0" smtClean="0"/>
+              <a:t>SQL Server 2017</a:t>
+            </a:r>
+            <a:endParaRPr lang="en-US" dirty="0"/>
           </a:p>
         </p:txBody>
       </p:sp>
@@ -9183,8 +9185,8 @@
         </p:nvSpPr>
         <p:spPr>
           <a:xfrm>
-            <a:off x="1835696" y="345430"/>
-            <a:ext cx="5024132" cy="923330"/>
+            <a:off x="1135897" y="353403"/>
+            <a:ext cx="6721712" cy="830997"/>
           </a:xfrm>
           <a:prstGeom prst="rect">
             <a:avLst/>
@@ -9213,7 +9215,7 @@
           <a:p>
             <a:pPr algn="ctr"/>
             <a:r>
-              <a:rPr lang="vi-VN" sz="5400" b="1" cap="none" spc="0" dirty="0" smtClean="0">
+              <a:rPr lang="vi-VN" sz="4800" b="1" cap="none" spc="0" dirty="0" smtClean="0">
                 <a:ln w="11430"/>
                 <a:gradFill>
                   <a:gsLst>
@@ -9258,9 +9260,57 @@
                   </a:outerShdw>
                 </a:effectLst>
               </a:rPr>
-              <a:t>Sơ đồ quan hệ</a:t>
-            </a:r>
-            <a:endParaRPr lang="en-US" sz="5400" b="1" cap="none" spc="0" dirty="0">
+              <a:t>Sơ đồ quan </a:t>
+            </a:r>
+            <a:r>
+              <a:rPr lang="vi-VN" sz="4800" b="1" cap="none" spc="0" dirty="0" smtClean="0">
+                <a:ln w="11430"/>
+                <a:gradFill>
+                  <a:gsLst>
+                    <a:gs pos="0">
+                      <a:schemeClr val="accent6">
+                        <a:tint val="90000"/>
+                        <a:satMod val="120000"/>
+                      </a:schemeClr>
+                    </a:gs>
+                    <a:gs pos="25000">
+                      <a:schemeClr val="accent6">
+                        <a:tint val="93000"/>
+                        <a:satMod val="120000"/>
+                      </a:schemeClr>
+                    </a:gs>
+                    <a:gs pos="50000">
+                      <a:schemeClr val="accent6">
+                        <a:shade val="89000"/>
+                        <a:satMod val="110000"/>
+                      </a:schemeClr>
+                    </a:gs>
+                    <a:gs pos="75000">
+                      <a:schemeClr val="accent6">
+                        <a:tint val="93000"/>
+                        <a:satMod val="120000"/>
+                      </a:schemeClr>
+                    </a:gs>
+                    <a:gs pos="100000">
+                      <a:schemeClr val="accent6">
+                        <a:tint val="90000"/>
+                        <a:satMod val="120000"/>
+                      </a:schemeClr>
+                    </a:gs>
+                  </a:gsLst>
+                  <a:lin ang="5400000"/>
+                </a:gradFill>
+                <a:effectLst>
+                  <a:outerShdw blurRad="80000" dist="40000" dir="5040000" algn="tl">
+                    <a:srgbClr val="000000">
+                      <a:alpha val="30000"/>
+                    </a:srgbClr>
+                  </a:outerShdw>
+                </a:effectLst>
+              </a:rPr>
+              <a:t>hệ dữ liệu</a:t>
+            </a:r>
+            <a:endParaRPr lang="en-US" sz="4800" b="1" cap="none" spc="0" dirty="0">
               <a:ln w="11430"/>
               <a:gradFill>
                 <a:gsLst>
@@ -9348,13 +9398,13 @@
   <p:clrMapOvr>
     <a:masterClrMapping/>
   </p:clrMapOvr>
-  <mc:AlternateContent xmlns:mc="http://schemas.openxmlformats.org/markup-compatibility/2006">
-    <mc:Choice xmlns:p14="http://schemas.microsoft.com/office/powerpoint/2010/main" Requires="p14">
+  <mc:AlternateContent xmlns:mc="http://schemas.openxmlformats.org/markup-compatibility/2006" xmlns:p14="http://schemas.microsoft.com/office/powerpoint/2010/main">
+    <mc:Choice Requires="p14">
       <p:transition spd="slow" p14:dur="1500">
         <p:split orient="vert"/>
       </p:transition>
     </mc:Choice>
-    <mc:Fallback>
+    <mc:Fallback xmlns="">
       <p:transition spd="slow">
         <p:split orient="vert"/>
       </p:transition>
@@ -9721,7 +9771,15 @@
             </a:pPr>
             <a:r>
               <a:rPr lang="vi-VN" dirty="0" smtClean="0"/>
-              <a:t>Kho tàng câu hỏi phong phú, dễ sáng tạo</a:t>
+              <a:t>Kho tàng câu </a:t>
+            </a:r>
+            <a:r>
+              <a:rPr lang="vi-VN" dirty="0" smtClean="0"/>
+              <a:t>hỏi </a:t>
+            </a:r>
+            <a:r>
+              <a:rPr lang="vi-VN" dirty="0" smtClean="0"/>
+              <a:t>dễ sáng tạo</a:t>
             </a:r>
           </a:p>
           <a:p>
@@ -9772,7 +9830,7 @@
         <p:spPr>
           <a:xfrm>
             <a:off x="1124222" y="4077072"/>
-            <a:ext cx="7264202" cy="1200329"/>
+            <a:ext cx="7264202" cy="1477328"/>
           </a:xfrm>
           <a:prstGeom prst="rect">
             <a:avLst/>
@@ -9811,8 +9869,19 @@
             </a:pPr>
             <a:r>
               <a:rPr lang="vi-VN" dirty="0" smtClean="0"/>
-              <a:t>Chưa có hệ thống database trên server điện toán đám mây.</a:t>
-            </a:r>
+              <a:t>Số lượng câu hỏi còn ít</a:t>
+            </a:r>
+          </a:p>
+          <a:p>
+            <a:pPr marL="285750" indent="-285750">
+              <a:buFont typeface="Wingdings" pitchFamily="2" charset="2"/>
+              <a:buChar char="v"/>
+            </a:pPr>
+            <a:r>
+              <a:rPr lang="vi-VN" dirty="0" smtClean="0"/>
+              <a:t>Chưa có Database Online</a:t>
+            </a:r>
+            <a:endParaRPr lang="vi-VN" dirty="0" smtClean="0"/>
           </a:p>
           <a:p>
             <a:pPr marL="285750" indent="-285750">
@@ -11735,13 +11804,13 @@
   <p:clrMapOvr>
     <a:masterClrMapping/>
   </p:clrMapOvr>
-  <mc:AlternateContent xmlns:mc="http://schemas.openxmlformats.org/markup-compatibility/2006">
-    <mc:Choice xmlns:p14="http://schemas.microsoft.com/office/powerpoint/2010/main" Requires="p14">
+  <mc:AlternateContent xmlns:mc="http://schemas.openxmlformats.org/markup-compatibility/2006" xmlns:p14="http://schemas.microsoft.com/office/powerpoint/2010/main">
+    <mc:Choice Requires="p14">
       <p:transition spd="slow" p14:dur="800">
         <p:circle/>
       </p:transition>
     </mc:Choice>
-    <mc:Fallback>
+    <mc:Fallback xmlns="">
       <p:transition spd="slow">
         <p:circle/>
       </p:transition>
@@ -11814,13 +11883,13 @@
   <p:clrMapOvr>
     <a:masterClrMapping/>
   </p:clrMapOvr>
-  <mc:AlternateContent xmlns:mc="http://schemas.openxmlformats.org/markup-compatibility/2006">
-    <mc:Choice xmlns:p14="http://schemas.microsoft.com/office/powerpoint/2010/main" Requires="p14">
+  <mc:AlternateContent xmlns:mc="http://schemas.openxmlformats.org/markup-compatibility/2006" xmlns:p14="http://schemas.microsoft.com/office/powerpoint/2010/main">
+    <mc:Choice Requires="p14">
       <p:transition spd="slow">
         <p14:flash/>
       </p:transition>
     </mc:Choice>
-    <mc:Fallback>
+    <mc:Fallback xmlns="">
       <p:transition spd="slow">
         <p:fade/>
       </p:transition>
